--- a/r12942103_report.pptx
+++ b/r12942103_report.pptx
@@ -7245,10 +7245,9 @@
               </a:lnSpc>
             </a:pPr>
             <a:r>
-              <a:rPr lang="en-US" altLang="zh-TW" sz="2400" b="1"/>
+              <a:rPr lang="en-US" altLang="zh-TW" sz="2400" b="1" dirty="0"/>
               <a:t>Limitations:</a:t>
             </a:r>
-            <a:endParaRPr lang="en-US" altLang="zh-TW" sz="2400" b="1" dirty="0"/>
           </a:p>
           <a:p>
             <a:pPr marL="342900" indent="-342900">
@@ -7538,7 +7537,7 @@
                   </a:extLst>
                 </a:hlinkClick>
               </a:rPr>
-              <a:t>https://github.com/PANpinchi/DeepMIR_HW2_PANpinchi</a:t>
+              <a:t>https://github.com/PANpinchi/DeepMIR_HW3_PANpinchi</a:t>
             </a:r>
             <a:endParaRPr lang="en-US" altLang="zh-TW" dirty="0">
               <a:solidFill>
